--- a/content/lectures/lecture2/presentation/lecture2.pptx
+++ b/content/lectures/lecture2/presentation/lecture2.pptx
@@ -18660,9 +18660,6 @@
               </a:rPr>
               <a:t>Not isolation</a:t>
             </a:r>
-            <a:endParaRPr lang="en-US" sz="2400" dirty="0" smtClean="0">
-              <a:latin typeface="Karla" pitchFamily="2" charset="0"/>
-            </a:endParaRPr>
           </a:p>
           <a:p>
             <a:pPr marL="342900" indent="-342900" algn="ctr">
@@ -21580,7 +21577,226 @@
   <p:timing>
     <p:tnLst>
       <p:par>
-        <p:cTn id="1" dur="indefinite" restart="never" nodeType="tmRoot"/>
+        <p:cTn id="1" dur="indefinite" restart="never" nodeType="tmRoot">
+          <p:childTnLst>
+            <p:seq concurrent="1" nextAc="seek">
+              <p:cTn id="2" dur="indefinite" nodeType="mainSeq">
+                <p:childTnLst>
+                  <p:par>
+                    <p:cTn id="3" fill="hold">
+                      <p:stCondLst>
+                        <p:cond delay="indefinite"/>
+                      </p:stCondLst>
+                      <p:childTnLst>
+                        <p:par>
+                          <p:cTn id="4" fill="hold">
+                            <p:stCondLst>
+                              <p:cond delay="0"/>
+                            </p:stCondLst>
+                            <p:childTnLst>
+                              <p:par>
+                                <p:cTn id="5" presetID="1" presetClass="entr" presetSubtype="0" fill="hold" nodeType="clickEffect">
+                                  <p:stCondLst>
+                                    <p:cond delay="0"/>
+                                  </p:stCondLst>
+                                  <p:childTnLst>
+                                    <p:set>
+                                      <p:cBhvr>
+                                        <p:cTn id="6" dur="1" fill="hold">
+                                          <p:stCondLst>
+                                            <p:cond delay="0"/>
+                                          </p:stCondLst>
+                                        </p:cTn>
+                                        <p:tgtEl>
+                                          <p:spTgt spid="10">
+                                            <p:txEl>
+                                              <p:pRg st="0" end="0"/>
+                                            </p:txEl>
+                                          </p:spTgt>
+                                        </p:tgtEl>
+                                        <p:attrNameLst>
+                                          <p:attrName>style.visibility</p:attrName>
+                                        </p:attrNameLst>
+                                      </p:cBhvr>
+                                      <p:to>
+                                        <p:strVal val="visible"/>
+                                      </p:to>
+                                    </p:set>
+                                  </p:childTnLst>
+                                </p:cTn>
+                              </p:par>
+                            </p:childTnLst>
+                          </p:cTn>
+                        </p:par>
+                      </p:childTnLst>
+                    </p:cTn>
+                  </p:par>
+                  <p:par>
+                    <p:cTn id="7" fill="hold">
+                      <p:stCondLst>
+                        <p:cond delay="indefinite"/>
+                      </p:stCondLst>
+                      <p:childTnLst>
+                        <p:par>
+                          <p:cTn id="8" fill="hold">
+                            <p:stCondLst>
+                              <p:cond delay="0"/>
+                            </p:stCondLst>
+                            <p:childTnLst>
+                              <p:par>
+                                <p:cTn id="9" presetID="1" presetClass="entr" presetSubtype="0" fill="hold" nodeType="clickEffect">
+                                  <p:stCondLst>
+                                    <p:cond delay="0"/>
+                                  </p:stCondLst>
+                                  <p:childTnLst>
+                                    <p:set>
+                                      <p:cBhvr>
+                                        <p:cTn id="10" dur="1" fill="hold">
+                                          <p:stCondLst>
+                                            <p:cond delay="0"/>
+                                          </p:stCondLst>
+                                        </p:cTn>
+                                        <p:tgtEl>
+                                          <p:spTgt spid="10">
+                                            <p:txEl>
+                                              <p:pRg st="1" end="1"/>
+                                            </p:txEl>
+                                          </p:spTgt>
+                                        </p:tgtEl>
+                                        <p:attrNameLst>
+                                          <p:attrName>style.visibility</p:attrName>
+                                        </p:attrNameLst>
+                                      </p:cBhvr>
+                                      <p:to>
+                                        <p:strVal val="visible"/>
+                                      </p:to>
+                                    </p:set>
+                                  </p:childTnLst>
+                                </p:cTn>
+                              </p:par>
+                            </p:childTnLst>
+                          </p:cTn>
+                        </p:par>
+                      </p:childTnLst>
+                    </p:cTn>
+                  </p:par>
+                  <p:par>
+                    <p:cTn id="11" fill="hold">
+                      <p:stCondLst>
+                        <p:cond delay="indefinite"/>
+                      </p:stCondLst>
+                      <p:childTnLst>
+                        <p:par>
+                          <p:cTn id="12" fill="hold">
+                            <p:stCondLst>
+                              <p:cond delay="0"/>
+                            </p:stCondLst>
+                            <p:childTnLst>
+                              <p:par>
+                                <p:cTn id="13" presetID="1" presetClass="entr" presetSubtype="0" fill="hold" nodeType="clickEffect">
+                                  <p:stCondLst>
+                                    <p:cond delay="0"/>
+                                  </p:stCondLst>
+                                  <p:childTnLst>
+                                    <p:set>
+                                      <p:cBhvr>
+                                        <p:cTn id="14" dur="1" fill="hold">
+                                          <p:stCondLst>
+                                            <p:cond delay="0"/>
+                                          </p:stCondLst>
+                                        </p:cTn>
+                                        <p:tgtEl>
+                                          <p:spTgt spid="10">
+                                            <p:txEl>
+                                              <p:pRg st="2" end="2"/>
+                                            </p:txEl>
+                                          </p:spTgt>
+                                        </p:tgtEl>
+                                        <p:attrNameLst>
+                                          <p:attrName>style.visibility</p:attrName>
+                                        </p:attrNameLst>
+                                      </p:cBhvr>
+                                      <p:to>
+                                        <p:strVal val="visible"/>
+                                      </p:to>
+                                    </p:set>
+                                  </p:childTnLst>
+                                </p:cTn>
+                              </p:par>
+                            </p:childTnLst>
+                          </p:cTn>
+                        </p:par>
+                      </p:childTnLst>
+                    </p:cTn>
+                  </p:par>
+                  <p:par>
+                    <p:cTn id="15" fill="hold">
+                      <p:stCondLst>
+                        <p:cond delay="indefinite"/>
+                      </p:stCondLst>
+                      <p:childTnLst>
+                        <p:par>
+                          <p:cTn id="16" fill="hold">
+                            <p:stCondLst>
+                              <p:cond delay="0"/>
+                            </p:stCondLst>
+                            <p:childTnLst>
+                              <p:par>
+                                <p:cTn id="17" presetID="1" presetClass="entr" presetSubtype="0" fill="hold" nodeType="clickEffect">
+                                  <p:stCondLst>
+                                    <p:cond delay="0"/>
+                                  </p:stCondLst>
+                                  <p:childTnLst>
+                                    <p:set>
+                                      <p:cBhvr>
+                                        <p:cTn id="18" dur="1" fill="hold">
+                                          <p:stCondLst>
+                                            <p:cond delay="0"/>
+                                          </p:stCondLst>
+                                        </p:cTn>
+                                        <p:tgtEl>
+                                          <p:spTgt spid="10">
+                                            <p:txEl>
+                                              <p:pRg st="3" end="3"/>
+                                            </p:txEl>
+                                          </p:spTgt>
+                                        </p:tgtEl>
+                                        <p:attrNameLst>
+                                          <p:attrName>style.visibility</p:attrName>
+                                        </p:attrNameLst>
+                                      </p:cBhvr>
+                                      <p:to>
+                                        <p:strVal val="visible"/>
+                                      </p:to>
+                                    </p:set>
+                                  </p:childTnLst>
+                                </p:cTn>
+                              </p:par>
+                            </p:childTnLst>
+                          </p:cTn>
+                        </p:par>
+                      </p:childTnLst>
+                    </p:cTn>
+                  </p:par>
+                </p:childTnLst>
+              </p:cTn>
+              <p:prevCondLst>
+                <p:cond evt="onPrev" delay="0">
+                  <p:tgtEl>
+                    <p:sldTgt/>
+                  </p:tgtEl>
+                </p:cond>
+              </p:prevCondLst>
+              <p:nextCondLst>
+                <p:cond evt="onNext" delay="0">
+                  <p:tgtEl>
+                    <p:sldTgt/>
+                  </p:tgtEl>
+                </p:cond>
+              </p:nextCondLst>
+            </p:seq>
+          </p:childTnLst>
+        </p:cTn>
       </p:par>
     </p:tnLst>
   </p:timing>
@@ -21659,7 +21875,7 @@
         <p:spPr>
           <a:xfrm>
             <a:off x="1047750" y="1337126"/>
-            <a:ext cx="6591300" cy="4862870"/>
+            <a:ext cx="6591300" cy="5539978"/>
           </a:xfrm>
           <a:prstGeom prst="rect">
             <a:avLst/>
@@ -21681,7 +21897,7 @@
               <a:buChar char="•"/>
             </a:pPr>
             <a:r>
-              <a:rPr lang="en-US" sz="2000" dirty="0">
+              <a:rPr lang="en-US" sz="2400" dirty="0">
                 <a:latin typeface="Karla" pitchFamily="2" charset="0"/>
               </a:rPr>
               <a:t>virtual machines have their own virtual hardware: CPUs, memory, hard drives, etc.</a:t>
@@ -21693,7 +21909,7 @@
               <a:buChar char="•"/>
             </a:pPr>
             <a:r>
-              <a:rPr lang="en-US" sz="2000" dirty="0">
+              <a:rPr lang="en-US" sz="2400" dirty="0">
                 <a:latin typeface="Karla" pitchFamily="2" charset="0"/>
               </a:rPr>
               <a:t>you need a hypervisor that manages different virtual machines on server</a:t>
@@ -21705,10 +21921,22 @@
               <a:buChar char="•"/>
             </a:pPr>
             <a:r>
-              <a:rPr lang="en-US" sz="2000" dirty="0">
+              <a:rPr lang="en-US" sz="2400" dirty="0">
                 <a:latin typeface="Karla" pitchFamily="2" charset="0"/>
               </a:rPr>
-              <a:t>hypervisor can run as much virtual machines as you wish</a:t>
+              <a:t>hypervisor can run as </a:t>
+            </a:r>
+            <a:r>
+              <a:rPr lang="en-US" sz="2400" dirty="0" smtClean="0">
+                <a:latin typeface="Karla" pitchFamily="2" charset="0"/>
+              </a:rPr>
+              <a:t>many virtual </a:t>
+            </a:r>
+            <a:r>
+              <a:rPr lang="en-US" sz="2400" dirty="0">
+                <a:latin typeface="Karla" pitchFamily="2" charset="0"/>
+              </a:rPr>
+              <a:t>machines as you wish</a:t>
             </a:r>
           </a:p>
           <a:p>
@@ -21717,7 +21945,7 @@
               <a:buChar char="•"/>
             </a:pPr>
             <a:r>
-              <a:rPr lang="en-US" sz="2000" dirty="0">
+              <a:rPr lang="en-US" sz="2400" dirty="0">
                 <a:latin typeface="Karla" pitchFamily="2" charset="0"/>
               </a:rPr>
               <a:t>operating system is called the "host" while those running in a virtual machine are called "guest“</a:t>
@@ -21729,13 +21957,17 @@
               <a:buChar char="•"/>
             </a:pPr>
             <a:r>
-              <a:rPr lang="en-US" sz="2000" dirty="0">
+              <a:rPr lang="en-US" sz="2400" dirty="0">
                 <a:latin typeface="Karla" pitchFamily="2" charset="0"/>
               </a:rPr>
-              <a:t>You can install a completely different operating system on this virtual machine</a:t>
-            </a:r>
-          </a:p>
-          <a:p>
+              <a:t>You can install a completely different operating system on this virtual </a:t>
+            </a:r>
+            <a:r>
+              <a:rPr lang="en-US" sz="2400" dirty="0" smtClean="0">
+                <a:latin typeface="Karla" pitchFamily="2" charset="0"/>
+              </a:rPr>
+              <a:t>machine</a:t>
+            </a:r>
             <a:endParaRPr lang="en-US" sz="2000" dirty="0">
               <a:latin typeface="Karla" pitchFamily="2" charset="0"/>
             </a:endParaRPr>
@@ -22516,7 +22748,275 @@
   <p:timing>
     <p:tnLst>
       <p:par>
-        <p:cTn id="1" dur="indefinite" restart="never" nodeType="tmRoot"/>
+        <p:cTn id="1" dur="indefinite" restart="never" nodeType="tmRoot">
+          <p:childTnLst>
+            <p:seq concurrent="1" nextAc="seek">
+              <p:cTn id="2" dur="indefinite" nodeType="mainSeq">
+                <p:childTnLst>
+                  <p:par>
+                    <p:cTn id="3" fill="hold">
+                      <p:stCondLst>
+                        <p:cond delay="indefinite"/>
+                      </p:stCondLst>
+                      <p:childTnLst>
+                        <p:par>
+                          <p:cTn id="4" fill="hold">
+                            <p:stCondLst>
+                              <p:cond delay="0"/>
+                            </p:stCondLst>
+                            <p:childTnLst>
+                              <p:par>
+                                <p:cTn id="5" presetID="1" presetClass="entr" presetSubtype="0" fill="hold" nodeType="clickEffect">
+                                  <p:stCondLst>
+                                    <p:cond delay="0"/>
+                                  </p:stCondLst>
+                                  <p:childTnLst>
+                                    <p:set>
+                                      <p:cBhvr>
+                                        <p:cTn id="6" dur="1" fill="hold">
+                                          <p:stCondLst>
+                                            <p:cond delay="0"/>
+                                          </p:stCondLst>
+                                        </p:cTn>
+                                        <p:tgtEl>
+                                          <p:spTgt spid="9">
+                                            <p:txEl>
+                                              <p:pRg st="1" end="1"/>
+                                            </p:txEl>
+                                          </p:spTgt>
+                                        </p:tgtEl>
+                                        <p:attrNameLst>
+                                          <p:attrName>style.visibility</p:attrName>
+                                        </p:attrNameLst>
+                                      </p:cBhvr>
+                                      <p:to>
+                                        <p:strVal val="visible"/>
+                                      </p:to>
+                                    </p:set>
+                                  </p:childTnLst>
+                                </p:cTn>
+                              </p:par>
+                            </p:childTnLst>
+                          </p:cTn>
+                        </p:par>
+                      </p:childTnLst>
+                    </p:cTn>
+                  </p:par>
+                  <p:par>
+                    <p:cTn id="7" fill="hold">
+                      <p:stCondLst>
+                        <p:cond delay="indefinite"/>
+                      </p:stCondLst>
+                      <p:childTnLst>
+                        <p:par>
+                          <p:cTn id="8" fill="hold">
+                            <p:stCondLst>
+                              <p:cond delay="0"/>
+                            </p:stCondLst>
+                            <p:childTnLst>
+                              <p:par>
+                                <p:cTn id="9" presetID="1" presetClass="entr" presetSubtype="0" fill="hold" nodeType="clickEffect">
+                                  <p:stCondLst>
+                                    <p:cond delay="0"/>
+                                  </p:stCondLst>
+                                  <p:childTnLst>
+                                    <p:set>
+                                      <p:cBhvr>
+                                        <p:cTn id="10" dur="1" fill="hold">
+                                          <p:stCondLst>
+                                            <p:cond delay="0"/>
+                                          </p:stCondLst>
+                                        </p:cTn>
+                                        <p:tgtEl>
+                                          <p:spTgt spid="9">
+                                            <p:txEl>
+                                              <p:pRg st="2" end="2"/>
+                                            </p:txEl>
+                                          </p:spTgt>
+                                        </p:tgtEl>
+                                        <p:attrNameLst>
+                                          <p:attrName>style.visibility</p:attrName>
+                                        </p:attrNameLst>
+                                      </p:cBhvr>
+                                      <p:to>
+                                        <p:strVal val="visible"/>
+                                      </p:to>
+                                    </p:set>
+                                  </p:childTnLst>
+                                </p:cTn>
+                              </p:par>
+                            </p:childTnLst>
+                          </p:cTn>
+                        </p:par>
+                      </p:childTnLst>
+                    </p:cTn>
+                  </p:par>
+                  <p:par>
+                    <p:cTn id="11" fill="hold">
+                      <p:stCondLst>
+                        <p:cond delay="indefinite"/>
+                      </p:stCondLst>
+                      <p:childTnLst>
+                        <p:par>
+                          <p:cTn id="12" fill="hold">
+                            <p:stCondLst>
+                              <p:cond delay="0"/>
+                            </p:stCondLst>
+                            <p:childTnLst>
+                              <p:par>
+                                <p:cTn id="13" presetID="1" presetClass="entr" presetSubtype="0" fill="hold" nodeType="clickEffect">
+                                  <p:stCondLst>
+                                    <p:cond delay="0"/>
+                                  </p:stCondLst>
+                                  <p:childTnLst>
+                                    <p:set>
+                                      <p:cBhvr>
+                                        <p:cTn id="14" dur="1" fill="hold">
+                                          <p:stCondLst>
+                                            <p:cond delay="0"/>
+                                          </p:stCondLst>
+                                        </p:cTn>
+                                        <p:tgtEl>
+                                          <p:spTgt spid="9">
+                                            <p:txEl>
+                                              <p:pRg st="3" end="3"/>
+                                            </p:txEl>
+                                          </p:spTgt>
+                                        </p:tgtEl>
+                                        <p:attrNameLst>
+                                          <p:attrName>style.visibility</p:attrName>
+                                        </p:attrNameLst>
+                                      </p:cBhvr>
+                                      <p:to>
+                                        <p:strVal val="visible"/>
+                                      </p:to>
+                                    </p:set>
+                                  </p:childTnLst>
+                                </p:cTn>
+                              </p:par>
+                            </p:childTnLst>
+                          </p:cTn>
+                        </p:par>
+                      </p:childTnLst>
+                    </p:cTn>
+                  </p:par>
+                  <p:par>
+                    <p:cTn id="15" fill="hold">
+                      <p:stCondLst>
+                        <p:cond delay="indefinite"/>
+                      </p:stCondLst>
+                      <p:childTnLst>
+                        <p:par>
+                          <p:cTn id="16" fill="hold">
+                            <p:stCondLst>
+                              <p:cond delay="0"/>
+                            </p:stCondLst>
+                            <p:childTnLst>
+                              <p:par>
+                                <p:cTn id="17" presetID="1" presetClass="entr" presetSubtype="0" fill="hold" nodeType="clickEffect">
+                                  <p:stCondLst>
+                                    <p:cond delay="0"/>
+                                  </p:stCondLst>
+                                  <p:childTnLst>
+                                    <p:set>
+                                      <p:cBhvr>
+                                        <p:cTn id="18" dur="1" fill="hold">
+                                          <p:stCondLst>
+                                            <p:cond delay="0"/>
+                                          </p:stCondLst>
+                                        </p:cTn>
+                                        <p:tgtEl>
+                                          <p:spTgt spid="9">
+                                            <p:txEl>
+                                              <p:pRg st="4" end="4"/>
+                                            </p:txEl>
+                                          </p:spTgt>
+                                        </p:tgtEl>
+                                        <p:attrNameLst>
+                                          <p:attrName>style.visibility</p:attrName>
+                                        </p:attrNameLst>
+                                      </p:cBhvr>
+                                      <p:to>
+                                        <p:strVal val="visible"/>
+                                      </p:to>
+                                    </p:set>
+                                  </p:childTnLst>
+                                </p:cTn>
+                              </p:par>
+                            </p:childTnLst>
+                          </p:cTn>
+                        </p:par>
+                      </p:childTnLst>
+                    </p:cTn>
+                  </p:par>
+                  <p:par>
+                    <p:cTn id="19" fill="hold">
+                      <p:stCondLst>
+                        <p:cond delay="indefinite"/>
+                      </p:stCondLst>
+                      <p:childTnLst>
+                        <p:par>
+                          <p:cTn id="20" fill="hold">
+                            <p:stCondLst>
+                              <p:cond delay="0"/>
+                            </p:stCondLst>
+                            <p:childTnLst>
+                              <p:par>
+                                <p:cTn id="21" presetID="1" presetClass="entr" presetSubtype="0" fill="hold" nodeType="clickEffect">
+                                  <p:stCondLst>
+                                    <p:cond delay="0"/>
+                                  </p:stCondLst>
+                                  <p:childTnLst>
+                                    <p:set>
+                                      <p:cBhvr>
+                                        <p:cTn id="22" dur="1" fill="hold">
+                                          <p:stCondLst>
+                                            <p:cond delay="0"/>
+                                          </p:stCondLst>
+                                        </p:cTn>
+                                        <p:tgtEl>
+                                          <p:spTgt spid="9">
+                                            <p:txEl>
+                                              <p:pRg st="5" end="5"/>
+                                            </p:txEl>
+                                          </p:spTgt>
+                                        </p:tgtEl>
+                                        <p:attrNameLst>
+                                          <p:attrName>style.visibility</p:attrName>
+                                        </p:attrNameLst>
+                                      </p:cBhvr>
+                                      <p:to>
+                                        <p:strVal val="visible"/>
+                                      </p:to>
+                                    </p:set>
+                                  </p:childTnLst>
+                                </p:cTn>
+                              </p:par>
+                            </p:childTnLst>
+                          </p:cTn>
+                        </p:par>
+                      </p:childTnLst>
+                    </p:cTn>
+                  </p:par>
+                </p:childTnLst>
+              </p:cTn>
+              <p:prevCondLst>
+                <p:cond evt="onPrev" delay="0">
+                  <p:tgtEl>
+                    <p:sldTgt/>
+                  </p:tgtEl>
+                </p:cond>
+              </p:prevCondLst>
+              <p:nextCondLst>
+                <p:cond evt="onNext" delay="0">
+                  <p:tgtEl>
+                    <p:sldTgt/>
+                  </p:tgtEl>
+                </p:cond>
+              </p:nextCondLst>
+            </p:seq>
+          </p:childTnLst>
+        </p:cTn>
       </p:par>
     </p:tnLst>
   </p:timing>
@@ -23026,7 +23526,7 @@
               <a:buChar char="•"/>
             </a:pPr>
             <a:r>
-              <a:rPr lang="en-US" sz="2000" dirty="0"/>
+              <a:rPr lang="en-US" sz="2400" dirty="0"/>
               <a:t>Uses hardware in your local machine</a:t>
             </a:r>
           </a:p>
@@ -23039,7 +23539,7 @@
               <a:buChar char="•"/>
             </a:pPr>
             <a:r>
-              <a:rPr lang="en-US" sz="2000" dirty="0"/>
+              <a:rPr lang="en-US" sz="2400" dirty="0"/>
               <a:t>There is overhead associated with virtual machines</a:t>
             </a:r>
           </a:p>
@@ -23052,9 +23552,18 @@
               <a:buAutoNum type="arabicPeriod"/>
             </a:pPr>
             <a:r>
-              <a:rPr lang="en-US" sz="2000" dirty="0"/>
-              <a:t> guest is not as fast as the host system (and take some time to start up)</a:t>
-            </a:r>
+              <a:rPr lang="en-US" dirty="0"/>
+              <a:t> guest is not as fast as the </a:t>
+            </a:r>
+            <a:r>
+              <a:rPr lang="en-US"/>
+              <a:t>host </a:t>
+            </a:r>
+            <a:r>
+              <a:rPr lang="en-US" smtClean="0"/>
+              <a:t>system</a:t>
+            </a:r>
+            <a:endParaRPr lang="en-US" dirty="0" smtClean="0"/>
           </a:p>
           <a:p>
             <a:pPr marL="1200120" lvl="1" indent="-457200">
@@ -23065,12 +23574,34 @@
               <a:buAutoNum type="arabicPeriod"/>
             </a:pPr>
             <a:r>
-              <a:rPr lang="en-US" sz="2000" dirty="0"/>
+              <a:rPr lang="en-US" dirty="0" smtClean="0"/>
+              <a:t>Takes long time </a:t>
+            </a:r>
+            <a:r>
+              <a:rPr lang="en-US" dirty="0"/>
+              <a:t>to start </a:t>
+            </a:r>
+            <a:r>
+              <a:rPr lang="en-US" dirty="0" smtClean="0"/>
+              <a:t>up</a:t>
+            </a:r>
+            <a:endParaRPr lang="en-US" dirty="0"/>
+          </a:p>
+          <a:p>
+            <a:pPr marL="1200120" lvl="1" indent="-457200">
+              <a:spcAft>
+                <a:spcPts val="1800"/>
+              </a:spcAft>
+              <a:buFont typeface="+mj-lt"/>
+              <a:buAutoNum type="arabicPeriod"/>
+            </a:pPr>
+            <a:r>
+              <a:rPr lang="en-US" dirty="0"/>
               <a:t>may not have the same graphics capabilities</a:t>
             </a:r>
           </a:p>
           <a:p>
-            <a:endParaRPr lang="en-US" sz="2400" dirty="0"/>
+            <a:endParaRPr lang="en-US" dirty="0"/>
           </a:p>
         </p:txBody>
       </p:sp>
@@ -33869,23 +34400,7 @@
                 <a:ea typeface="Courier New" charset="0"/>
                 <a:cs typeface="Courier New" charset="0"/>
               </a:rPr>
-              <a:t>bin, lib</a:t>
-            </a:r>
-            <a:r>
-              <a:rPr lang="en-US" sz="2400" dirty="0" smtClean="0">
-                <a:latin typeface="Courier New" charset="0"/>
-                <a:ea typeface="Courier New" charset="0"/>
-                <a:cs typeface="Courier New" charset="0"/>
-              </a:rPr>
-              <a:t>, </a:t>
-            </a:r>
-            <a:r>
-              <a:rPr lang="en-US" sz="2400" dirty="0" smtClean="0">
-                <a:latin typeface="Courier New" charset="0"/>
-                <a:ea typeface="Courier New" charset="0"/>
-                <a:cs typeface="Courier New" charset="0"/>
-              </a:rPr>
-              <a:t>share, include</a:t>
+              <a:t>bin, lib, share, include</a:t>
             </a:r>
             <a:r>
               <a:rPr lang="en-US" sz="2400" dirty="0" smtClean="0">

--- a/content/lectures/lecture2/presentation/lecture2.pptx
+++ b/content/lectures/lecture2/presentation/lecture2.pptx
@@ -25129,7 +25129,31 @@
               <a:rPr lang="en-US" sz="2000" dirty="0">
                 <a:latin typeface="Karla" pitchFamily="2" charset="0"/>
               </a:rPr>
-              <a:t>With the same image, you can reproduce as much containers as you wish. Think about the image as the recipe, and the container as the cake ;-) you can make as many cakes as you like with a given recipe.</a:t>
+              <a:t>With the same image, you can reproduce as </a:t>
+            </a:r>
+            <a:r>
+              <a:rPr lang="en-US" sz="2000" dirty="0" smtClean="0">
+                <a:latin typeface="Karla" pitchFamily="2" charset="0"/>
+              </a:rPr>
+              <a:t>many containers </a:t>
+            </a:r>
+            <a:r>
+              <a:rPr lang="en-US" sz="2000" dirty="0">
+                <a:latin typeface="Karla" pitchFamily="2" charset="0"/>
+              </a:rPr>
+              <a:t>as you wish. Think about the image as the recipe, and the container as the cake ;-) you can make as many cakes as </a:t>
+            </a:r>
+            <a:r>
+              <a:rPr lang="en-US" sz="2000" dirty="0" smtClean="0">
+                <a:latin typeface="Karla" pitchFamily="2" charset="0"/>
+              </a:rPr>
+              <a:t>you’d </a:t>
+            </a:r>
+            <a:r>
+              <a:rPr lang="en-US" sz="2000" dirty="0">
+                <a:latin typeface="Karla" pitchFamily="2" charset="0"/>
+              </a:rPr>
+              <a:t>like with a given recipe.</a:t>
             </a:r>
           </a:p>
           <a:p>
@@ -26220,7 +26244,7 @@
         <p:spPr>
           <a:xfrm>
             <a:off x="1047749" y="1337126"/>
-            <a:ext cx="7491421" cy="5016758"/>
+            <a:ext cx="7491421" cy="4570482"/>
           </a:xfrm>
           <a:prstGeom prst="rect">
             <a:avLst/>
@@ -26233,11 +26257,14 @@
           <a:lstStyle/>
           <a:p>
             <a:pPr marL="285750" indent="-285750">
+              <a:spcBef>
+                <a:spcPts val="600"/>
+              </a:spcBef>
               <a:buFont typeface="Arial" panose="020B0604020202020204" pitchFamily="34" charset="0"/>
               <a:buChar char="•"/>
             </a:pPr>
             <a:r>
-              <a:rPr lang="en-US" sz="2000" dirty="0">
+              <a:rPr lang="en-US" sz="2300" dirty="0">
                 <a:latin typeface="Karla" pitchFamily="2" charset="0"/>
               </a:rPr>
               <a:t>Containers are application-centric methods to deliver high-performing, scalable applications on any infrastructure of your choice </a:t>
@@ -26245,70 +26272,73 @@
           </a:p>
           <a:p>
             <a:pPr marL="285750" indent="-285750">
+              <a:spcBef>
+                <a:spcPts val="600"/>
+              </a:spcBef>
               <a:buFont typeface="Arial" panose="020B0604020202020204" pitchFamily="34" charset="0"/>
               <a:buChar char="•"/>
             </a:pPr>
             <a:r>
-              <a:rPr lang="en-US" sz="2000" dirty="0">
+              <a:rPr lang="en-US" sz="2300" dirty="0">
                 <a:latin typeface="Karla" pitchFamily="2" charset="0"/>
               </a:rPr>
-              <a:t>Containers are best suited to deliver microservices by providing portable, isolated virtual environments for applications to run without interference from other running applications</a:t>
+              <a:t>Containers are best suited to deliver </a:t>
+            </a:r>
+            <a:r>
+              <a:rPr lang="en-US" sz="2300" b="1" dirty="0">
+                <a:latin typeface="Karla" pitchFamily="2" charset="0"/>
+              </a:rPr>
+              <a:t>microservices</a:t>
+            </a:r>
+            <a:r>
+              <a:rPr lang="en-US" sz="2300" dirty="0">
+                <a:latin typeface="Karla" pitchFamily="2" charset="0"/>
+              </a:rPr>
+              <a:t> by providing portable, isolated virtual environments for applications to run without interference from other running applications</a:t>
             </a:r>
           </a:p>
           <a:p>
             <a:pPr marL="285750" indent="-285750">
+              <a:spcBef>
+                <a:spcPts val="600"/>
+              </a:spcBef>
               <a:buFont typeface="Arial" panose="020B0604020202020204" pitchFamily="34" charset="0"/>
               <a:buChar char="•"/>
             </a:pPr>
             <a:r>
-              <a:rPr lang="en-US" sz="2000" dirty="0">
+              <a:rPr lang="en-US" sz="2300" dirty="0" smtClean="0">
                 <a:latin typeface="Karla" pitchFamily="2" charset="0"/>
               </a:rPr>
-              <a:t>Containers encapsulate microservices and their dependencies but do not run them directly </a:t>
+              <a:t>Containers </a:t>
+            </a:r>
+            <a:r>
+              <a:rPr lang="en-US" sz="2300" dirty="0">
+                <a:latin typeface="Karla" pitchFamily="2" charset="0"/>
+              </a:rPr>
+              <a:t>run container images, it bundles the application along with its runtime and dependencies</a:t>
             </a:r>
           </a:p>
           <a:p>
             <a:pPr marL="285750" indent="-285750">
+              <a:spcBef>
+                <a:spcPts val="600"/>
+              </a:spcBef>
               <a:buFont typeface="Arial" panose="020B0604020202020204" pitchFamily="34" charset="0"/>
               <a:buChar char="•"/>
             </a:pPr>
             <a:r>
-              <a:rPr lang="en-US" sz="2000" dirty="0">
+              <a:rPr lang="en-US" sz="2300" dirty="0">
                 <a:latin typeface="Karla" pitchFamily="2" charset="0"/>
               </a:rPr>
-              <a:t>Containers run container images, it bundles the application along with its runtime and dependencies</a:t>
-            </a:r>
-          </a:p>
-          <a:p>
-            <a:pPr marL="285750" indent="-285750">
-              <a:buFont typeface="Arial" panose="020B0604020202020204" pitchFamily="34" charset="0"/>
-              <a:buChar char="•"/>
-            </a:pPr>
-            <a:r>
-              <a:rPr lang="en-US" sz="2000" dirty="0">
+              <a:t>Because they're so lightweight, you can have many containers running at once on your system</a:t>
+            </a:r>
+            <a:r>
+              <a:rPr lang="en-US" sz="2300" dirty="0" smtClean="0">
                 <a:latin typeface="Karla" pitchFamily="2" charset="0"/>
               </a:rPr>
-              <a:t>Because they're so lightweight, you can have many containers running at once on your system.</a:t>
-            </a:r>
-          </a:p>
-          <a:p>
-            <a:pPr marL="285750" indent="-285750">
-              <a:buFont typeface="Arial" panose="020B0604020202020204" pitchFamily="34" charset="0"/>
-              <a:buChar char="•"/>
-            </a:pPr>
-            <a:r>
-              <a:rPr lang="en-US" sz="2000" dirty="0">
-                <a:latin typeface="Karla" pitchFamily="2" charset="0"/>
-              </a:rPr>
-              <a:t>Containers are lightweight (they cost an order of magnitude less than a virtual machine in memory footprint).</a:t>
-            </a:r>
-          </a:p>
-          <a:p>
-            <a:pPr marL="285750" indent="-285750">
-              <a:buFont typeface="Arial" panose="020B0604020202020204" pitchFamily="34" charset="0"/>
-              <a:buChar char="•"/>
-            </a:pPr>
-            <a:endParaRPr lang="en-US" sz="2000" dirty="0">
+              <a:t>.</a:t>
+            </a:r>
+            <a:endParaRPr lang="en-US" sz="2300" dirty="0">
               <a:latin typeface="Karla" pitchFamily="2" charset="0"/>
             </a:endParaRPr>
           </a:p>
@@ -27292,8 +27322,8 @@
         </p:nvSpPr>
         <p:spPr>
           <a:xfrm>
-            <a:off x="1047750" y="1337126"/>
-            <a:ext cx="10039350" cy="5016758"/>
+            <a:off x="1008561" y="1154246"/>
+            <a:ext cx="10039350" cy="6463308"/>
           </a:xfrm>
           <a:prstGeom prst="rect">
             <a:avLst/>
@@ -27306,11 +27336,14 @@
           <a:lstStyle/>
           <a:p>
             <a:pPr marL="285750" indent="-285750">
+              <a:spcBef>
+                <a:spcPts val="600"/>
+              </a:spcBef>
               <a:buFont typeface="Arial" panose="020B0604020202020204" pitchFamily="34" charset="0"/>
               <a:buChar char="•"/>
             </a:pPr>
             <a:r>
-              <a:rPr lang="en-US" sz="2000" dirty="0">
+              <a:rPr lang="en-US" sz="2300" dirty="0">
                 <a:latin typeface="Karla" pitchFamily="2" charset="0"/>
               </a:rPr>
               <a:t>Their startup time is on the order of seconds (vs. minutes for Virtual Machines).</a:t>
@@ -27318,11 +27351,14 @@
           </a:p>
           <a:p>
             <a:pPr marL="285750" indent="-285750">
+              <a:spcBef>
+                <a:spcPts val="600"/>
+              </a:spcBef>
               <a:buFont typeface="Arial" panose="020B0604020202020204" pitchFamily="34" charset="0"/>
               <a:buChar char="•"/>
             </a:pPr>
             <a:r>
-              <a:rPr lang="en-US" sz="2000" dirty="0">
+              <a:rPr lang="en-US" sz="2300" dirty="0">
                 <a:latin typeface="Karla" pitchFamily="2" charset="0"/>
               </a:rPr>
               <a:t>They provide pseudo-isolation. This means they're still pretty secure, but not as secure at a Virtual Machines.</a:t>
@@ -27330,23 +27366,38 @@
           </a:p>
           <a:p>
             <a:pPr marL="285750" indent="-285750">
+              <a:spcBef>
+                <a:spcPts val="600"/>
+              </a:spcBef>
               <a:buFont typeface="Arial" panose="020B0604020202020204" pitchFamily="34" charset="0"/>
               <a:buChar char="•"/>
             </a:pPr>
             <a:r>
-              <a:rPr lang="en-US" sz="2000" dirty="0">
+              <a:rPr lang="en-US" sz="2300" dirty="0">
                 <a:latin typeface="Karla" pitchFamily="2" charset="0"/>
               </a:rPr>
-              <a:t>A container is deployed from the container image offering an isolated executable environment for the application</a:t>
-            </a:r>
+              <a:t>A container is deployed from the container image offering an isolated executable environment for the </a:t>
+            </a:r>
+            <a:r>
+              <a:rPr lang="en-US" sz="2300" dirty="0" smtClean="0">
+                <a:latin typeface="Karla" pitchFamily="2" charset="0"/>
+              </a:rPr>
+              <a:t>application.</a:t>
+            </a:r>
+            <a:endParaRPr lang="en-US" sz="2300" dirty="0">
+              <a:latin typeface="Karla" pitchFamily="2" charset="0"/>
+            </a:endParaRPr>
           </a:p>
           <a:p>
             <a:pPr marL="285750" indent="-285750">
+              <a:spcBef>
+                <a:spcPts val="600"/>
+              </a:spcBef>
               <a:buFont typeface="Arial" panose="020B0604020202020204" pitchFamily="34" charset="0"/>
               <a:buChar char="•"/>
             </a:pPr>
             <a:r>
-              <a:rPr lang="en-US" sz="2000" dirty="0">
+              <a:rPr lang="en-US" sz="2300" dirty="0">
                 <a:latin typeface="Karla" pitchFamily="2" charset="0"/>
               </a:rPr>
               <a:t>Containers can be deployed from a specific image on many platforms, such as workstations, Virtual Machines, public cloud, etc.</a:t>
@@ -27354,47 +27405,86 @@
           </a:p>
           <a:p>
             <a:pPr marL="285750" indent="-285750">
+              <a:spcBef>
+                <a:spcPts val="600"/>
+              </a:spcBef>
               <a:buFont typeface="Arial" panose="020B0604020202020204" pitchFamily="34" charset="0"/>
               <a:buChar char="•"/>
             </a:pPr>
             <a:r>
-              <a:rPr lang="en-US" sz="2000" dirty="0">
+              <a:rPr lang="en-US" sz="2300" dirty="0">
                 <a:latin typeface="Karla" pitchFamily="2" charset="0"/>
               </a:rPr>
-              <a:t>Containers are extremely popular, and their popularity is growing</a:t>
-            </a:r>
+              <a:t>Containers are extremely popular, and their popularity is </a:t>
+            </a:r>
+            <a:r>
+              <a:rPr lang="en-US" sz="2300" dirty="0" smtClean="0">
+                <a:latin typeface="Karla" pitchFamily="2" charset="0"/>
+              </a:rPr>
+              <a:t>growing.</a:t>
+            </a:r>
+            <a:endParaRPr lang="en-US" sz="2300" dirty="0">
+              <a:latin typeface="Karla" pitchFamily="2" charset="0"/>
+            </a:endParaRPr>
           </a:p>
           <a:p>
             <a:pPr marL="285750" indent="-285750">
+              <a:spcBef>
+                <a:spcPts val="600"/>
+              </a:spcBef>
               <a:buFont typeface="Arial" panose="020B0604020202020204" pitchFamily="34" charset="0"/>
               <a:buChar char="•"/>
             </a:pPr>
             <a:r>
-              <a:rPr lang="en-US" sz="2000" dirty="0">
+              <a:rPr lang="en-US" sz="2300" dirty="0">
                 <a:latin typeface="Karla" pitchFamily="2" charset="0"/>
               </a:rPr>
-              <a:t>One of the first widely used containers was provided by Docker</a:t>
-            </a:r>
+              <a:t>One of the first widely used containers was provided by </a:t>
+            </a:r>
+            <a:r>
+              <a:rPr lang="en-US" sz="2300" dirty="0" smtClean="0">
+                <a:latin typeface="Karla" pitchFamily="2" charset="0"/>
+              </a:rPr>
+              <a:t>Docker. </a:t>
+            </a:r>
+            <a:endParaRPr lang="en-US" sz="2300" dirty="0">
+              <a:latin typeface="Karla" pitchFamily="2" charset="0"/>
+            </a:endParaRPr>
           </a:p>
           <a:p>
             <a:pPr marL="285750" indent="-285750">
+              <a:spcBef>
+                <a:spcPts val="600"/>
+              </a:spcBef>
               <a:buFont typeface="Arial" panose="020B0604020202020204" pitchFamily="34" charset="0"/>
               <a:buChar char="•"/>
             </a:pPr>
             <a:r>
-              <a:rPr lang="en-US" sz="2000" dirty="0">
+              <a:rPr lang="en-US" sz="2300" dirty="0">
                 <a:latin typeface="Karla" pitchFamily="2" charset="0"/>
               </a:rPr>
-              <a:t>Docker containers can be used to run websites and web applications</a:t>
-            </a:r>
+              <a:t>Docker containers can be used to run websites and web </a:t>
+            </a:r>
+            <a:r>
+              <a:rPr lang="en-US" sz="2300" dirty="0" smtClean="0">
+                <a:latin typeface="Karla" pitchFamily="2" charset="0"/>
+              </a:rPr>
+              <a:t>applications.</a:t>
+            </a:r>
+            <a:endParaRPr lang="en-US" sz="2300" dirty="0">
+              <a:latin typeface="Karla" pitchFamily="2" charset="0"/>
+            </a:endParaRPr>
           </a:p>
           <a:p>
             <a:pPr marL="285750" indent="-285750">
+              <a:spcBef>
+                <a:spcPts val="600"/>
+              </a:spcBef>
               <a:buFont typeface="Arial" panose="020B0604020202020204" pitchFamily="34" charset="0"/>
               <a:buChar char="•"/>
             </a:pPr>
             <a:r>
-              <a:rPr lang="en-US" sz="2000" dirty="0">
+              <a:rPr lang="en-US" sz="2300" dirty="0">
                 <a:latin typeface="Karla" pitchFamily="2" charset="0"/>
               </a:rPr>
               <a:t>Multiple containers can be managed by a service called Kubernetes (see next lecture)</a:t>
@@ -27447,7 +27537,422 @@
   <p:timing>
     <p:tnLst>
       <p:par>
-        <p:cTn id="1" dur="indefinite" restart="never" nodeType="tmRoot"/>
+        <p:cTn id="1" dur="indefinite" restart="never" nodeType="tmRoot">
+          <p:childTnLst>
+            <p:seq concurrent="1" nextAc="seek">
+              <p:cTn id="2" dur="indefinite" nodeType="mainSeq">
+                <p:childTnLst>
+                  <p:par>
+                    <p:cTn id="3" fill="hold">
+                      <p:stCondLst>
+                        <p:cond delay="indefinite"/>
+                      </p:stCondLst>
+                      <p:childTnLst>
+                        <p:par>
+                          <p:cTn id="4" fill="hold">
+                            <p:stCondLst>
+                              <p:cond delay="0"/>
+                            </p:stCondLst>
+                            <p:childTnLst>
+                              <p:par>
+                                <p:cTn id="5" presetID="1" presetClass="entr" presetSubtype="0" fill="hold" nodeType="clickEffect">
+                                  <p:stCondLst>
+                                    <p:cond delay="0"/>
+                                  </p:stCondLst>
+                                  <p:childTnLst>
+                                    <p:set>
+                                      <p:cBhvr>
+                                        <p:cTn id="6" dur="1" fill="hold">
+                                          <p:stCondLst>
+                                            <p:cond delay="0"/>
+                                          </p:stCondLst>
+                                        </p:cTn>
+                                        <p:tgtEl>
+                                          <p:spTgt spid="7">
+                                            <p:txEl>
+                                              <p:pRg st="0" end="0"/>
+                                            </p:txEl>
+                                          </p:spTgt>
+                                        </p:tgtEl>
+                                        <p:attrNameLst>
+                                          <p:attrName>style.visibility</p:attrName>
+                                        </p:attrNameLst>
+                                      </p:cBhvr>
+                                      <p:to>
+                                        <p:strVal val="visible"/>
+                                      </p:to>
+                                    </p:set>
+                                  </p:childTnLst>
+                                </p:cTn>
+                              </p:par>
+                            </p:childTnLst>
+                          </p:cTn>
+                        </p:par>
+                      </p:childTnLst>
+                    </p:cTn>
+                  </p:par>
+                  <p:par>
+                    <p:cTn id="7" fill="hold">
+                      <p:stCondLst>
+                        <p:cond delay="indefinite"/>
+                      </p:stCondLst>
+                      <p:childTnLst>
+                        <p:par>
+                          <p:cTn id="8" fill="hold">
+                            <p:stCondLst>
+                              <p:cond delay="0"/>
+                            </p:stCondLst>
+                            <p:childTnLst>
+                              <p:par>
+                                <p:cTn id="9" presetID="1" presetClass="entr" presetSubtype="0" fill="hold" nodeType="clickEffect">
+                                  <p:stCondLst>
+                                    <p:cond delay="0"/>
+                                  </p:stCondLst>
+                                  <p:childTnLst>
+                                    <p:set>
+                                      <p:cBhvr>
+                                        <p:cTn id="10" dur="1" fill="hold">
+                                          <p:stCondLst>
+                                            <p:cond delay="0"/>
+                                          </p:stCondLst>
+                                        </p:cTn>
+                                        <p:tgtEl>
+                                          <p:spTgt spid="7">
+                                            <p:txEl>
+                                              <p:pRg st="1" end="1"/>
+                                            </p:txEl>
+                                          </p:spTgt>
+                                        </p:tgtEl>
+                                        <p:attrNameLst>
+                                          <p:attrName>style.visibility</p:attrName>
+                                        </p:attrNameLst>
+                                      </p:cBhvr>
+                                      <p:to>
+                                        <p:strVal val="visible"/>
+                                      </p:to>
+                                    </p:set>
+                                  </p:childTnLst>
+                                </p:cTn>
+                              </p:par>
+                            </p:childTnLst>
+                          </p:cTn>
+                        </p:par>
+                      </p:childTnLst>
+                    </p:cTn>
+                  </p:par>
+                  <p:par>
+                    <p:cTn id="11" fill="hold">
+                      <p:stCondLst>
+                        <p:cond delay="indefinite"/>
+                      </p:stCondLst>
+                      <p:childTnLst>
+                        <p:par>
+                          <p:cTn id="12" fill="hold">
+                            <p:stCondLst>
+                              <p:cond delay="0"/>
+                            </p:stCondLst>
+                            <p:childTnLst>
+                              <p:par>
+                                <p:cTn id="13" presetID="1" presetClass="entr" presetSubtype="0" fill="hold" nodeType="clickEffect">
+                                  <p:stCondLst>
+                                    <p:cond delay="0"/>
+                                  </p:stCondLst>
+                                  <p:childTnLst>
+                                    <p:set>
+                                      <p:cBhvr>
+                                        <p:cTn id="14" dur="1" fill="hold">
+                                          <p:stCondLst>
+                                            <p:cond delay="0"/>
+                                          </p:stCondLst>
+                                        </p:cTn>
+                                        <p:tgtEl>
+                                          <p:spTgt spid="7">
+                                            <p:txEl>
+                                              <p:pRg st="2" end="2"/>
+                                            </p:txEl>
+                                          </p:spTgt>
+                                        </p:tgtEl>
+                                        <p:attrNameLst>
+                                          <p:attrName>style.visibility</p:attrName>
+                                        </p:attrNameLst>
+                                      </p:cBhvr>
+                                      <p:to>
+                                        <p:strVal val="visible"/>
+                                      </p:to>
+                                    </p:set>
+                                  </p:childTnLst>
+                                </p:cTn>
+                              </p:par>
+                            </p:childTnLst>
+                          </p:cTn>
+                        </p:par>
+                      </p:childTnLst>
+                    </p:cTn>
+                  </p:par>
+                  <p:par>
+                    <p:cTn id="15" fill="hold">
+                      <p:stCondLst>
+                        <p:cond delay="indefinite"/>
+                      </p:stCondLst>
+                      <p:childTnLst>
+                        <p:par>
+                          <p:cTn id="16" fill="hold">
+                            <p:stCondLst>
+                              <p:cond delay="0"/>
+                            </p:stCondLst>
+                            <p:childTnLst>
+                              <p:par>
+                                <p:cTn id="17" presetID="1" presetClass="entr" presetSubtype="0" fill="hold" nodeType="clickEffect">
+                                  <p:stCondLst>
+                                    <p:cond delay="0"/>
+                                  </p:stCondLst>
+                                  <p:childTnLst>
+                                    <p:set>
+                                      <p:cBhvr>
+                                        <p:cTn id="18" dur="1" fill="hold">
+                                          <p:stCondLst>
+                                            <p:cond delay="0"/>
+                                          </p:stCondLst>
+                                        </p:cTn>
+                                        <p:tgtEl>
+                                          <p:spTgt spid="7">
+                                            <p:txEl>
+                                              <p:pRg st="3" end="3"/>
+                                            </p:txEl>
+                                          </p:spTgt>
+                                        </p:tgtEl>
+                                        <p:attrNameLst>
+                                          <p:attrName>style.visibility</p:attrName>
+                                        </p:attrNameLst>
+                                      </p:cBhvr>
+                                      <p:to>
+                                        <p:strVal val="visible"/>
+                                      </p:to>
+                                    </p:set>
+                                  </p:childTnLst>
+                                </p:cTn>
+                              </p:par>
+                            </p:childTnLst>
+                          </p:cTn>
+                        </p:par>
+                      </p:childTnLst>
+                    </p:cTn>
+                  </p:par>
+                  <p:par>
+                    <p:cTn id="19" fill="hold">
+                      <p:stCondLst>
+                        <p:cond delay="indefinite"/>
+                      </p:stCondLst>
+                      <p:childTnLst>
+                        <p:par>
+                          <p:cTn id="20" fill="hold">
+                            <p:stCondLst>
+                              <p:cond delay="0"/>
+                            </p:stCondLst>
+                            <p:childTnLst>
+                              <p:par>
+                                <p:cTn id="21" presetID="1" presetClass="entr" presetSubtype="0" fill="hold" nodeType="clickEffect">
+                                  <p:stCondLst>
+                                    <p:cond delay="0"/>
+                                  </p:stCondLst>
+                                  <p:childTnLst>
+                                    <p:set>
+                                      <p:cBhvr>
+                                        <p:cTn id="22" dur="1" fill="hold">
+                                          <p:stCondLst>
+                                            <p:cond delay="0"/>
+                                          </p:stCondLst>
+                                        </p:cTn>
+                                        <p:tgtEl>
+                                          <p:spTgt spid="7">
+                                            <p:txEl>
+                                              <p:pRg st="4" end="4"/>
+                                            </p:txEl>
+                                          </p:spTgt>
+                                        </p:tgtEl>
+                                        <p:attrNameLst>
+                                          <p:attrName>style.visibility</p:attrName>
+                                        </p:attrNameLst>
+                                      </p:cBhvr>
+                                      <p:to>
+                                        <p:strVal val="visible"/>
+                                      </p:to>
+                                    </p:set>
+                                  </p:childTnLst>
+                                </p:cTn>
+                              </p:par>
+                            </p:childTnLst>
+                          </p:cTn>
+                        </p:par>
+                      </p:childTnLst>
+                    </p:cTn>
+                  </p:par>
+                  <p:par>
+                    <p:cTn id="23" fill="hold">
+                      <p:stCondLst>
+                        <p:cond delay="indefinite"/>
+                      </p:stCondLst>
+                      <p:childTnLst>
+                        <p:par>
+                          <p:cTn id="24" fill="hold">
+                            <p:stCondLst>
+                              <p:cond delay="0"/>
+                            </p:stCondLst>
+                            <p:childTnLst>
+                              <p:par>
+                                <p:cTn id="25" presetID="1" presetClass="entr" presetSubtype="0" fill="hold" nodeType="clickEffect">
+                                  <p:stCondLst>
+                                    <p:cond delay="0"/>
+                                  </p:stCondLst>
+                                  <p:childTnLst>
+                                    <p:set>
+                                      <p:cBhvr>
+                                        <p:cTn id="26" dur="1" fill="hold">
+                                          <p:stCondLst>
+                                            <p:cond delay="0"/>
+                                          </p:stCondLst>
+                                        </p:cTn>
+                                        <p:tgtEl>
+                                          <p:spTgt spid="7">
+                                            <p:txEl>
+                                              <p:pRg st="5" end="5"/>
+                                            </p:txEl>
+                                          </p:spTgt>
+                                        </p:tgtEl>
+                                        <p:attrNameLst>
+                                          <p:attrName>style.visibility</p:attrName>
+                                        </p:attrNameLst>
+                                      </p:cBhvr>
+                                      <p:to>
+                                        <p:strVal val="visible"/>
+                                      </p:to>
+                                    </p:set>
+                                  </p:childTnLst>
+                                </p:cTn>
+                              </p:par>
+                            </p:childTnLst>
+                          </p:cTn>
+                        </p:par>
+                      </p:childTnLst>
+                    </p:cTn>
+                  </p:par>
+                  <p:par>
+                    <p:cTn id="27" fill="hold">
+                      <p:stCondLst>
+                        <p:cond delay="indefinite"/>
+                      </p:stCondLst>
+                      <p:childTnLst>
+                        <p:par>
+                          <p:cTn id="28" fill="hold">
+                            <p:stCondLst>
+                              <p:cond delay="0"/>
+                            </p:stCondLst>
+                            <p:childTnLst>
+                              <p:par>
+                                <p:cTn id="29" presetID="1" presetClass="entr" presetSubtype="0" fill="hold" nodeType="clickEffect">
+                                  <p:stCondLst>
+                                    <p:cond delay="0"/>
+                                  </p:stCondLst>
+                                  <p:childTnLst>
+                                    <p:set>
+                                      <p:cBhvr>
+                                        <p:cTn id="30" dur="1" fill="hold">
+                                          <p:stCondLst>
+                                            <p:cond delay="0"/>
+                                          </p:stCondLst>
+                                        </p:cTn>
+                                        <p:tgtEl>
+                                          <p:spTgt spid="7">
+                                            <p:txEl>
+                                              <p:pRg st="6" end="6"/>
+                                            </p:txEl>
+                                          </p:spTgt>
+                                        </p:tgtEl>
+                                        <p:attrNameLst>
+                                          <p:attrName>style.visibility</p:attrName>
+                                        </p:attrNameLst>
+                                      </p:cBhvr>
+                                      <p:to>
+                                        <p:strVal val="visible"/>
+                                      </p:to>
+                                    </p:set>
+                                  </p:childTnLst>
+                                </p:cTn>
+                              </p:par>
+                            </p:childTnLst>
+                          </p:cTn>
+                        </p:par>
+                      </p:childTnLst>
+                    </p:cTn>
+                  </p:par>
+                  <p:par>
+                    <p:cTn id="31" fill="hold">
+                      <p:stCondLst>
+                        <p:cond delay="indefinite"/>
+                      </p:stCondLst>
+                      <p:childTnLst>
+                        <p:par>
+                          <p:cTn id="32" fill="hold">
+                            <p:stCondLst>
+                              <p:cond delay="0"/>
+                            </p:stCondLst>
+                            <p:childTnLst>
+                              <p:par>
+                                <p:cTn id="33" presetID="1" presetClass="entr" presetSubtype="0" fill="hold" nodeType="clickEffect">
+                                  <p:stCondLst>
+                                    <p:cond delay="0"/>
+                                  </p:stCondLst>
+                                  <p:childTnLst>
+                                    <p:set>
+                                      <p:cBhvr>
+                                        <p:cTn id="34" dur="1" fill="hold">
+                                          <p:stCondLst>
+                                            <p:cond delay="0"/>
+                                          </p:stCondLst>
+                                        </p:cTn>
+                                        <p:tgtEl>
+                                          <p:spTgt spid="7">
+                                            <p:txEl>
+                                              <p:pRg st="7" end="7"/>
+                                            </p:txEl>
+                                          </p:spTgt>
+                                        </p:tgtEl>
+                                        <p:attrNameLst>
+                                          <p:attrName>style.visibility</p:attrName>
+                                        </p:attrNameLst>
+                                      </p:cBhvr>
+                                      <p:to>
+                                        <p:strVal val="visible"/>
+                                      </p:to>
+                                    </p:set>
+                                  </p:childTnLst>
+                                </p:cTn>
+                              </p:par>
+                            </p:childTnLst>
+                          </p:cTn>
+                        </p:par>
+                      </p:childTnLst>
+                    </p:cTn>
+                  </p:par>
+                </p:childTnLst>
+              </p:cTn>
+              <p:prevCondLst>
+                <p:cond evt="onPrev" delay="0">
+                  <p:tgtEl>
+                    <p:sldTgt/>
+                  </p:tgtEl>
+                </p:cond>
+              </p:prevCondLst>
+              <p:nextCondLst>
+                <p:cond evt="onNext" delay="0">
+                  <p:tgtEl>
+                    <p:sldTgt/>
+                  </p:tgtEl>
+                </p:cond>
+              </p:nextCondLst>
+            </p:seq>
+          </p:childTnLst>
+        </p:cTn>
       </p:par>
     </p:tnLst>
   </p:timing>
@@ -28033,8 +28538,29 @@
               <a:rPr lang="en-US" sz="2400" dirty="0">
                 <a:latin typeface="Karla" pitchFamily="2" charset="0"/>
               </a:rPr>
-              <a:t>pull, modify, and push a Docker image from Docker Hub</a:t>
-            </a:r>
+              <a:t>P</a:t>
+            </a:r>
+            <a:r>
+              <a:rPr lang="en-US" sz="2400" dirty="0" smtClean="0">
+                <a:latin typeface="Karla" pitchFamily="2" charset="0"/>
+              </a:rPr>
+              <a:t>ull</a:t>
+            </a:r>
+            <a:r>
+              <a:rPr lang="en-US" sz="2400" dirty="0">
+                <a:latin typeface="Karla" pitchFamily="2" charset="0"/>
+              </a:rPr>
+              <a:t>, modify, and push a Docker image from </a:t>
+            </a:r>
+            <a:r>
+              <a:rPr lang="en-US" sz="2400" dirty="0" err="1" smtClean="0">
+                <a:latin typeface="Karla" pitchFamily="2" charset="0"/>
+              </a:rPr>
+              <a:t>DockerHub</a:t>
+            </a:r>
+            <a:endParaRPr lang="en-US" sz="2400" dirty="0">
+              <a:latin typeface="Karla" pitchFamily="2" charset="0"/>
+            </a:endParaRPr>
           </a:p>
           <a:p>
             <a:endParaRPr lang="en-US" sz="2400" b="1" dirty="0">
@@ -28055,8 +28581,29 @@
               <a:rPr lang="en-US" sz="2400" dirty="0">
                 <a:latin typeface="Karla" pitchFamily="2" charset="0"/>
               </a:rPr>
-              <a:t>build a Docker Image and push it to Docker Hub</a:t>
-            </a:r>
+              <a:t>B</a:t>
+            </a:r>
+            <a:r>
+              <a:rPr lang="en-US" sz="2400" dirty="0" smtClean="0">
+                <a:latin typeface="Karla" pitchFamily="2" charset="0"/>
+              </a:rPr>
+              <a:t>uild </a:t>
+            </a:r>
+            <a:r>
+              <a:rPr lang="en-US" sz="2400" dirty="0">
+                <a:latin typeface="Karla" pitchFamily="2" charset="0"/>
+              </a:rPr>
+              <a:t>a Docker Image and push it to </a:t>
+            </a:r>
+            <a:r>
+              <a:rPr lang="en-US" sz="2400" dirty="0" err="1" smtClean="0">
+                <a:latin typeface="Karla" pitchFamily="2" charset="0"/>
+              </a:rPr>
+              <a:t>DockerHub</a:t>
+            </a:r>
+            <a:endParaRPr lang="en-US" sz="2400" dirty="0">
+              <a:latin typeface="Karla" pitchFamily="2" charset="0"/>
+            </a:endParaRPr>
           </a:p>
         </p:txBody>
       </p:sp>
